--- a/lyceumQT.pptx
+++ b/lyceumQT.pptx
@@ -4050,6 +4050,24 @@
             </a:r>
             <a:endParaRPr lang="en-US" i="0" dirty="0"/>
           </a:p>
+          <a:p>
+            <a:r>
+              <a:rPr lang="ru-RU" i="0" dirty="0"/>
+              <a:t>Вывод</a:t>
+            </a:r>
+            <a:r>
+              <a:rPr lang="en-US" i="0" dirty="0"/>
+              <a:t>:</a:t>
+            </a:r>
+            <a:endParaRPr lang="ru-RU" dirty="0"/>
+          </a:p>
+          <a:p>
+            <a:pPr lvl="1"/>
+            <a:r>
+              <a:rPr lang="ru-RU" i="0" dirty="0"/>
+              <a:t>Игра реализована качественно и имеет возможности для улучшения. Удовлетворяет своим целям.</a:t>
+            </a:r>
+          </a:p>
         </p:txBody>
       </p:sp>
     </p:spTree>
